--- a/CS6241-Project.pptx
+++ b/CS6241-Project.pptx
@@ -36,12 +36,12 @@
   <p:notesSz cx="6858000" cy="9144000"/>
   <p:embeddedFontLst>
     <p:embeddedFont>
-      <p:font typeface="Microsoft YaHei" panose="020B0503020204020204" pitchFamily="34" charset="-122"/>
+      <p:font typeface="Microsoft Yahei" panose="020B0503020204020204" pitchFamily="34" charset="-122"/>
       <p:regular r:id="rId26"/>
       <p:bold r:id="rId27"/>
     </p:embeddedFont>
     <p:embeddedFont>
-      <p:font typeface="Microsoft YaHei" panose="020B0503020204020204" pitchFamily="34" charset="-122"/>
+      <p:font typeface="Microsoft Yahei" panose="020B0503020204020204" pitchFamily="34" charset="-122"/>
       <p:regular r:id="rId26"/>
       <p:bold r:id="rId27"/>
     </p:embeddedFont>
@@ -298,7 +298,7 @@
       </p15:sldGuideLst>
     </p:ext>
     <p:ext uri="http://customooxmlschemas.google.com/">
-      <go:slidesCustomData xmlns="" xmlns:mc="http://schemas.openxmlformats.org/markup-compatibility/2006" xmlns:mv="urn:schemas-microsoft-com:mac:vml" xmlns:c="http://schemas.openxmlformats.org/drawingml/2006/chart" xmlns:dgm="http://schemas.openxmlformats.org/drawingml/2006/diagram" xmlns:o="urn:schemas-microsoft-com:office:office" xmlns:v="urn:schemas-microsoft-com:vml" xmlns:pvml="urn:schemas-microsoft-com:office:powerpoint" xmlns:com="http://schemas.openxmlformats.org/drawingml/2006/compatibility" xmlns:p14="http://schemas.microsoft.com/office/powerpoint/2010/main" xmlns:p15="http://schemas.microsoft.com/office/powerpoint/2012/main" xmlns:go="http://customooxmlschemas.google.com/" r:id="rId36" roundtripDataSignature="AMtx7mi+UNfaPOwXqL87gnSmWkKKRvwfUQ=="/>
+      <go:slidesCustomData xmlns:go="http://customooxmlschemas.google.com/" xmlns:p15="http://schemas.microsoft.com/office/powerpoint/2012/main" xmlns:p14="http://schemas.microsoft.com/office/powerpoint/2010/main" xmlns:com="http://schemas.openxmlformats.org/drawingml/2006/compatibility" xmlns:pvml="urn:schemas-microsoft-com:office:powerpoint" xmlns:v="urn:schemas-microsoft-com:vml" xmlns:o="urn:schemas-microsoft-com:office:office" xmlns:dgm="http://schemas.openxmlformats.org/drawingml/2006/diagram" xmlns:c="http://schemas.openxmlformats.org/drawingml/2006/chart" xmlns:mv="urn:schemas-microsoft-com:mac:vml" xmlns:mc="http://schemas.openxmlformats.org/markup-compatibility/2006" xmlns="" r:id="rId36" roundtripDataSignature="AMtx7mi+UNfaPOwXqL87gnSmWkKKRvwfUQ=="/>
     </p:ext>
   </p:extLst>
 </p:presentation>
@@ -25207,13 +25207,13 @@
   <p:clrMapOvr>
     <a:masterClrMapping/>
   </p:clrMapOvr>
-  <mc:AlternateContent xmlns:mc="http://schemas.openxmlformats.org/markup-compatibility/2006">
-    <mc:Choice xmlns:p14="http://schemas.microsoft.com/office/powerpoint/2010/main" Requires="p14">
+  <mc:AlternateContent xmlns:mc="http://schemas.openxmlformats.org/markup-compatibility/2006" xmlns:p14="http://schemas.microsoft.com/office/powerpoint/2010/main">
+    <mc:Choice Requires="p14">
       <p:transition spd="med" p14:dur="700">
         <p:fade/>
       </p:transition>
     </mc:Choice>
-    <mc:Fallback>
+    <mc:Fallback xmlns="">
       <p:transition spd="med">
         <p:fade/>
       </p:transition>
@@ -25535,13 +25535,13 @@
   <p:clrMapOvr>
     <a:masterClrMapping/>
   </p:clrMapOvr>
-  <mc:AlternateContent xmlns:mc="http://schemas.openxmlformats.org/markup-compatibility/2006">
-    <mc:Choice xmlns:p14="http://schemas.microsoft.com/office/powerpoint/2010/main" Requires="p14">
+  <mc:AlternateContent xmlns:mc="http://schemas.openxmlformats.org/markup-compatibility/2006" xmlns:p14="http://schemas.microsoft.com/office/powerpoint/2010/main">
+    <mc:Choice Requires="p14">
       <p:transition spd="med" p14:dur="700">
         <p:fade/>
       </p:transition>
     </mc:Choice>
-    <mc:Fallback>
+    <mc:Fallback xmlns="">
       <p:transition spd="med">
         <p:fade/>
       </p:transition>
@@ -25929,13 +25929,13 @@
   <p:clrMapOvr>
     <a:masterClrMapping/>
   </p:clrMapOvr>
-  <mc:AlternateContent xmlns:mc="http://schemas.openxmlformats.org/markup-compatibility/2006">
-    <mc:Choice xmlns:p14="http://schemas.microsoft.com/office/powerpoint/2010/main" Requires="p14">
+  <mc:AlternateContent xmlns:mc="http://schemas.openxmlformats.org/markup-compatibility/2006" xmlns:p14="http://schemas.microsoft.com/office/powerpoint/2010/main">
+    <mc:Choice Requires="p14">
       <p:transition spd="med" p14:dur="700">
         <p:fade/>
       </p:transition>
     </mc:Choice>
-    <mc:Fallback>
+    <mc:Fallback xmlns="">
       <p:transition spd="med">
         <p:fade/>
       </p:transition>
@@ -26038,13 +26038,13 @@
   <p:clrMapOvr>
     <a:masterClrMapping/>
   </p:clrMapOvr>
-  <mc:AlternateContent xmlns:mc="http://schemas.openxmlformats.org/markup-compatibility/2006">
-    <mc:Choice xmlns:p14="http://schemas.microsoft.com/office/powerpoint/2010/main" Requires="p14">
+  <mc:AlternateContent xmlns:mc="http://schemas.openxmlformats.org/markup-compatibility/2006" xmlns:p14="http://schemas.microsoft.com/office/powerpoint/2010/main">
+    <mc:Choice Requires="p14">
       <p:transition spd="med" p14:dur="700">
         <p:fade/>
       </p:transition>
     </mc:Choice>
-    <mc:Fallback>
+    <mc:Fallback xmlns="">
       <p:transition spd="med">
         <p:fade/>
       </p:transition>
@@ -26403,13 +26403,13 @@
   <p:clrMapOvr>
     <a:masterClrMapping/>
   </p:clrMapOvr>
-  <mc:AlternateContent xmlns:mc="http://schemas.openxmlformats.org/markup-compatibility/2006">
-    <mc:Choice xmlns:p14="http://schemas.microsoft.com/office/powerpoint/2010/main" Requires="p14">
+  <mc:AlternateContent xmlns:mc="http://schemas.openxmlformats.org/markup-compatibility/2006" xmlns:p14="http://schemas.microsoft.com/office/powerpoint/2010/main">
+    <mc:Choice Requires="p14">
       <p:transition spd="med" p14:dur="700">
         <p:fade/>
       </p:transition>
     </mc:Choice>
-    <mc:Fallback>
+    <mc:Fallback xmlns="">
       <p:transition spd="med">
         <p:fade/>
       </p:transition>
@@ -26901,13 +26901,13 @@
   <p:clrMapOvr>
     <a:masterClrMapping/>
   </p:clrMapOvr>
-  <mc:AlternateContent xmlns:mc="http://schemas.openxmlformats.org/markup-compatibility/2006">
-    <mc:Choice xmlns:p14="http://schemas.microsoft.com/office/powerpoint/2010/main" Requires="p14">
+  <mc:AlternateContent xmlns:mc="http://schemas.openxmlformats.org/markup-compatibility/2006" xmlns:p14="http://schemas.microsoft.com/office/powerpoint/2010/main">
+    <mc:Choice Requires="p14">
       <p:transition spd="med" p14:dur="700">
         <p:fade/>
       </p:transition>
     </mc:Choice>
-    <mc:Fallback>
+    <mc:Fallback xmlns="">
       <p:transition spd="med">
         <p:fade/>
       </p:transition>
@@ -27670,13 +27670,13 @@
   <p:clrMapOvr>
     <a:masterClrMapping/>
   </p:clrMapOvr>
-  <mc:AlternateContent xmlns:mc="http://schemas.openxmlformats.org/markup-compatibility/2006">
-    <mc:Choice xmlns:p14="http://schemas.microsoft.com/office/powerpoint/2010/main" Requires="p14">
+  <mc:AlternateContent xmlns:mc="http://schemas.openxmlformats.org/markup-compatibility/2006" xmlns:p14="http://schemas.microsoft.com/office/powerpoint/2010/main">
+    <mc:Choice Requires="p14">
       <p:transition spd="med" p14:dur="700">
         <p:fade/>
       </p:transition>
     </mc:Choice>
-    <mc:Fallback>
+    <mc:Fallback xmlns="">
       <p:transition spd="med">
         <p:fade/>
       </p:transition>
@@ -28088,13 +28088,13 @@
   <p:clrMapOvr>
     <a:masterClrMapping/>
   </p:clrMapOvr>
-  <mc:AlternateContent xmlns:mc="http://schemas.openxmlformats.org/markup-compatibility/2006">
-    <mc:Choice xmlns:p14="http://schemas.microsoft.com/office/powerpoint/2010/main" Requires="p14">
+  <mc:AlternateContent xmlns:mc="http://schemas.openxmlformats.org/markup-compatibility/2006" xmlns:p14="http://schemas.microsoft.com/office/powerpoint/2010/main">
+    <mc:Choice Requires="p14">
       <p:transition spd="med" p14:dur="700">
         <p:fade/>
       </p:transition>
     </mc:Choice>
-    <mc:Fallback>
+    <mc:Fallback xmlns="">
       <p:transition spd="med">
         <p:fade/>
       </p:transition>
@@ -28609,13 +28609,13 @@
   <p:clrMapOvr>
     <a:masterClrMapping/>
   </p:clrMapOvr>
-  <mc:AlternateContent xmlns:mc="http://schemas.openxmlformats.org/markup-compatibility/2006">
-    <mc:Choice xmlns:p14="http://schemas.microsoft.com/office/powerpoint/2010/main" Requires="p14">
+  <mc:AlternateContent xmlns:mc="http://schemas.openxmlformats.org/markup-compatibility/2006" xmlns:p14="http://schemas.microsoft.com/office/powerpoint/2010/main">
+    <mc:Choice Requires="p14">
       <p:transition spd="med" p14:dur="700">
         <p:fade/>
       </p:transition>
     </mc:Choice>
-    <mc:Fallback>
+    <mc:Fallback xmlns="">
       <p:transition spd="med">
         <p:fade/>
       </p:transition>
@@ -29060,13 +29060,13 @@
   <p:clrMapOvr>
     <a:masterClrMapping/>
   </p:clrMapOvr>
-  <mc:AlternateContent xmlns:mc="http://schemas.openxmlformats.org/markup-compatibility/2006">
-    <mc:Choice xmlns:p14="http://schemas.microsoft.com/office/powerpoint/2010/main" Requires="p14">
+  <mc:AlternateContent xmlns:mc="http://schemas.openxmlformats.org/markup-compatibility/2006" xmlns:p14="http://schemas.microsoft.com/office/powerpoint/2010/main">
+    <mc:Choice Requires="p14">
       <p:transition spd="med" p14:dur="700">
         <p:fade/>
       </p:transition>
     </mc:Choice>
-    <mc:Fallback>
+    <mc:Fallback xmlns="">
       <p:transition spd="med">
         <p:fade/>
       </p:transition>
@@ -29391,7 +29391,7 @@
         <p:fade/>
       </p:transition>
     </mc:Choice>
-    <mc:Fallback xmlns="" xmlns:mv="urn:schemas-microsoft-com:mac:vml" xmlns:c="http://schemas.openxmlformats.org/drawingml/2006/chart" xmlns:dgm="http://schemas.openxmlformats.org/drawingml/2006/diagram" xmlns:o="urn:schemas-microsoft-com:office:office" xmlns:v="urn:schemas-microsoft-com:vml" xmlns:pvml="urn:schemas-microsoft-com:office:powerpoint" xmlns:com="http://schemas.openxmlformats.org/drawingml/2006/compatibility" xmlns:p15="http://schemas.microsoft.com/office/powerpoint/2012/main">
+    <mc:Fallback xmlns:p15="http://schemas.microsoft.com/office/powerpoint/2012/main" xmlns:com="http://schemas.openxmlformats.org/drawingml/2006/compatibility" xmlns:pvml="urn:schemas-microsoft-com:office:powerpoint" xmlns:v="urn:schemas-microsoft-com:vml" xmlns:o="urn:schemas-microsoft-com:office:office" xmlns:dgm="http://schemas.openxmlformats.org/drawingml/2006/diagram" xmlns:c="http://schemas.openxmlformats.org/drawingml/2006/chart" xmlns:mv="urn:schemas-microsoft-com:mac:vml" xmlns="">
       <p:transition spd="slow">
         <p:fade/>
       </p:transition>
@@ -29893,7 +29893,7 @@
               <a:t>We maintain an instruction mapping. Once there is merge in the new CFG, we insert phi for simplicity (extra phi is inserted, while the following </a:t>
             </a:r>
             <a:r>
-              <a:rPr lang="en-US" sz="1800" dirty="0" err="1">
+              <a:rPr lang="en-US" sz="1800" b="1" i="1" dirty="0" err="1">
                 <a:solidFill>
                   <a:schemeClr val="dk1"/>
                 </a:solidFill>
@@ -29924,13 +29924,13 @@
   <p:clrMapOvr>
     <a:masterClrMapping/>
   </p:clrMapOvr>
-  <mc:AlternateContent xmlns:mc="http://schemas.openxmlformats.org/markup-compatibility/2006">
-    <mc:Choice xmlns:p14="http://schemas.microsoft.com/office/powerpoint/2010/main" Requires="p14">
+  <mc:AlternateContent xmlns:mc="http://schemas.openxmlformats.org/markup-compatibility/2006" xmlns:p14="http://schemas.microsoft.com/office/powerpoint/2010/main">
+    <mc:Choice Requires="p14">
       <p:transition spd="med" p14:dur="700">
         <p:fade/>
       </p:transition>
     </mc:Choice>
-    <mc:Fallback>
+    <mc:Fallback xmlns="">
       <p:transition spd="med">
         <p:fade/>
       </p:transition>
@@ -30416,13 +30416,13 @@
   <p:clrMapOvr>
     <a:masterClrMapping/>
   </p:clrMapOvr>
-  <mc:AlternateContent xmlns:mc="http://schemas.openxmlformats.org/markup-compatibility/2006">
-    <mc:Choice xmlns:p14="http://schemas.microsoft.com/office/powerpoint/2010/main" Requires="p14">
+  <mc:AlternateContent xmlns:mc="http://schemas.openxmlformats.org/markup-compatibility/2006" xmlns:p14="http://schemas.microsoft.com/office/powerpoint/2010/main">
+    <mc:Choice Requires="p14">
       <p:transition spd="med" p14:dur="700">
         <p:fade/>
       </p:transition>
     </mc:Choice>
-    <mc:Fallback>
+    <mc:Fallback xmlns="">
       <p:transition spd="med">
         <p:fade/>
       </p:transition>
@@ -30544,13 +30544,13 @@
   <p:clrMapOvr>
     <a:masterClrMapping/>
   </p:clrMapOvr>
-  <mc:AlternateContent xmlns:mc="http://schemas.openxmlformats.org/markup-compatibility/2006">
-    <mc:Choice xmlns:p14="http://schemas.microsoft.com/office/powerpoint/2010/main" Requires="p14">
+  <mc:AlternateContent xmlns:mc="http://schemas.openxmlformats.org/markup-compatibility/2006" xmlns:p14="http://schemas.microsoft.com/office/powerpoint/2010/main">
+    <mc:Choice Requires="p14">
       <p:transition spd="med" p14:dur="700">
         <p:fade/>
       </p:transition>
     </mc:Choice>
-    <mc:Fallback>
+    <mc:Fallback xmlns="">
       <p:transition spd="med">
         <p:fade/>
       </p:transition>
@@ -30769,7 +30769,7 @@
         <p:fade/>
       </p:transition>
     </mc:Choice>
-    <mc:Fallback xmlns="" xmlns:mv="urn:schemas-microsoft-com:mac:vml" xmlns:c="http://schemas.openxmlformats.org/drawingml/2006/chart" xmlns:dgm="http://schemas.openxmlformats.org/drawingml/2006/diagram" xmlns:o="urn:schemas-microsoft-com:office:office" xmlns:v="urn:schemas-microsoft-com:vml" xmlns:pvml="urn:schemas-microsoft-com:office:powerpoint" xmlns:com="http://schemas.openxmlformats.org/drawingml/2006/compatibility" xmlns:p15="http://schemas.microsoft.com/office/powerpoint/2012/main">
+    <mc:Fallback xmlns:p15="http://schemas.microsoft.com/office/powerpoint/2012/main" xmlns:com="http://schemas.openxmlformats.org/drawingml/2006/compatibility" xmlns:pvml="urn:schemas-microsoft-com:office:powerpoint" xmlns:v="urn:schemas-microsoft-com:vml" xmlns:o="urn:schemas-microsoft-com:office:office" xmlns:dgm="http://schemas.openxmlformats.org/drawingml/2006/diagram" xmlns:c="http://schemas.openxmlformats.org/drawingml/2006/chart" xmlns:mv="urn:schemas-microsoft-com:mac:vml" xmlns="">
       <p:transition spd="slow">
         <p:fade/>
       </p:transition>
@@ -31254,13 +31254,13 @@
   <p:clrMapOvr>
     <a:masterClrMapping/>
   </p:clrMapOvr>
-  <mc:AlternateContent xmlns:mc="http://schemas.openxmlformats.org/markup-compatibility/2006">
-    <mc:Choice xmlns:p14="http://schemas.microsoft.com/office/powerpoint/2010/main" Requires="p14">
+  <mc:AlternateContent xmlns:mc="http://schemas.openxmlformats.org/markup-compatibility/2006" xmlns:p14="http://schemas.microsoft.com/office/powerpoint/2010/main">
+    <mc:Choice Requires="p14">
       <p:transition spd="med" p14:dur="700">
         <p:fade/>
       </p:transition>
     </mc:Choice>
-    <mc:Fallback>
+    <mc:Fallback xmlns="">
       <p:transition spd="med">
         <p:fade/>
       </p:transition>
@@ -32069,7 +32069,7 @@
         <p:fade/>
       </p:transition>
     </mc:Choice>
-    <mc:Fallback xmlns="" xmlns:mv="urn:schemas-microsoft-com:mac:vml" xmlns:c="http://schemas.openxmlformats.org/drawingml/2006/chart" xmlns:dgm="http://schemas.openxmlformats.org/drawingml/2006/diagram" xmlns:o="urn:schemas-microsoft-com:office:office" xmlns:v="urn:schemas-microsoft-com:vml" xmlns:pvml="urn:schemas-microsoft-com:office:powerpoint" xmlns:com="http://schemas.openxmlformats.org/drawingml/2006/compatibility" xmlns:p15="http://schemas.microsoft.com/office/powerpoint/2012/main">
+    <mc:Fallback xmlns:p15="http://schemas.microsoft.com/office/powerpoint/2012/main" xmlns:com="http://schemas.openxmlformats.org/drawingml/2006/compatibility" xmlns:pvml="urn:schemas-microsoft-com:office:powerpoint" xmlns:v="urn:schemas-microsoft-com:vml" xmlns:o="urn:schemas-microsoft-com:office:office" xmlns:dgm="http://schemas.openxmlformats.org/drawingml/2006/diagram" xmlns:c="http://schemas.openxmlformats.org/drawingml/2006/chart" xmlns:mv="urn:schemas-microsoft-com:mac:vml" xmlns="">
       <p:transition spd="slow">
         <p:fade/>
       </p:transition>
@@ -33057,13 +33057,13 @@
   <p:clrMapOvr>
     <a:masterClrMapping/>
   </p:clrMapOvr>
-  <mc:AlternateContent xmlns:mc="http://schemas.openxmlformats.org/markup-compatibility/2006">
-    <mc:Choice xmlns:p14="http://schemas.microsoft.com/office/powerpoint/2010/main" Requires="p14">
+  <mc:AlternateContent xmlns:mc="http://schemas.openxmlformats.org/markup-compatibility/2006" xmlns:p14="http://schemas.microsoft.com/office/powerpoint/2010/main">
+    <mc:Choice Requires="p14">
       <p:transition spd="med" p14:dur="700">
         <p:fade/>
       </p:transition>
     </mc:Choice>
-    <mc:Fallback>
+    <mc:Fallback xmlns="">
       <p:transition spd="med">
         <p:fade/>
       </p:transition>
@@ -34256,13 +34256,13 @@
   <p:clrMapOvr>
     <a:masterClrMapping/>
   </p:clrMapOvr>
-  <mc:AlternateContent xmlns:mc="http://schemas.openxmlformats.org/markup-compatibility/2006">
-    <mc:Choice xmlns:p14="http://schemas.microsoft.com/office/powerpoint/2010/main" Requires="p14">
+  <mc:AlternateContent xmlns:mc="http://schemas.openxmlformats.org/markup-compatibility/2006" xmlns:p14="http://schemas.microsoft.com/office/powerpoint/2010/main">
+    <mc:Choice Requires="p14">
       <p:transition spd="med" p14:dur="700">
         <p:fade/>
       </p:transition>
     </mc:Choice>
-    <mc:Fallback>
+    <mc:Fallback xmlns="">
       <p:transition spd="med">
         <p:fade/>
       </p:transition>
@@ -34786,13 +34786,13 @@
   <p:clrMapOvr>
     <a:masterClrMapping/>
   </p:clrMapOvr>
-  <mc:AlternateContent xmlns:mc="http://schemas.openxmlformats.org/markup-compatibility/2006">
-    <mc:Choice xmlns:p14="http://schemas.microsoft.com/office/powerpoint/2010/main" Requires="p14">
+  <mc:AlternateContent xmlns:mc="http://schemas.openxmlformats.org/markup-compatibility/2006" xmlns:p14="http://schemas.microsoft.com/office/powerpoint/2010/main">
+    <mc:Choice Requires="p14">
       <p:transition spd="med" p14:dur="700">
         <p:fade/>
       </p:transition>
     </mc:Choice>
-    <mc:Fallback>
+    <mc:Fallback xmlns="">
       <p:transition spd="med">
         <p:fade/>
       </p:transition>
@@ -35518,13 +35518,13 @@
   <p:clrMapOvr>
     <a:masterClrMapping/>
   </p:clrMapOvr>
-  <mc:AlternateContent xmlns:mc="http://schemas.openxmlformats.org/markup-compatibility/2006">
-    <mc:Choice xmlns:p14="http://schemas.microsoft.com/office/powerpoint/2010/main" Requires="p14">
+  <mc:AlternateContent xmlns:mc="http://schemas.openxmlformats.org/markup-compatibility/2006" xmlns:p14="http://schemas.microsoft.com/office/powerpoint/2010/main">
+    <mc:Choice Requires="p14">
       <p:transition spd="med" p14:dur="700">
         <p:fade/>
       </p:transition>
     </mc:Choice>
-    <mc:Fallback>
+    <mc:Fallback xmlns="">
       <p:transition spd="med">
         <p:fade/>
       </p:transition>
@@ -35965,13 +35965,13 @@
   <p:clrMapOvr>
     <a:masterClrMapping/>
   </p:clrMapOvr>
-  <mc:AlternateContent xmlns:mc="http://schemas.openxmlformats.org/markup-compatibility/2006">
-    <mc:Choice xmlns:p14="http://schemas.microsoft.com/office/powerpoint/2010/main" Requires="p14">
+  <mc:AlternateContent xmlns:mc="http://schemas.openxmlformats.org/markup-compatibility/2006" xmlns:p14="http://schemas.microsoft.com/office/powerpoint/2010/main">
+    <mc:Choice Requires="p14">
       <p:transition spd="med" p14:dur="700">
         <p:fade/>
       </p:transition>
     </mc:Choice>
-    <mc:Fallback>
+    <mc:Fallback xmlns="">
       <p:transition spd="med">
         <p:fade/>
       </p:transition>

--- a/CS6241-Project.pptx
+++ b/CS6241-Project.pptx
@@ -36,12 +36,12 @@
   <p:notesSz cx="6858000" cy="9144000"/>
   <p:embeddedFontLst>
     <p:embeddedFont>
-      <p:font typeface="Microsoft Yahei" panose="020B0503020204020204" pitchFamily="34" charset="-122"/>
+      <p:font typeface="Microsoft YaHei" panose="020B0503020204020204" pitchFamily="34" charset="-122"/>
       <p:regular r:id="rId26"/>
       <p:bold r:id="rId27"/>
     </p:embeddedFont>
     <p:embeddedFont>
-      <p:font typeface="Microsoft Yahei" panose="020B0503020204020204" pitchFamily="34" charset="-122"/>
+      <p:font typeface="Microsoft YaHei" panose="020B0503020204020204" pitchFamily="34" charset="-122"/>
       <p:regular r:id="rId26"/>
       <p:bold r:id="rId27"/>
     </p:embeddedFont>
@@ -298,18 +298,10 @@
       </p15:sldGuideLst>
     </p:ext>
     <p:ext uri="http://customooxmlschemas.google.com/">
-      <go:slidesCustomData xmlns:go="http://customooxmlschemas.google.com/" xmlns:p15="http://schemas.microsoft.com/office/powerpoint/2012/main" xmlns:p14="http://schemas.microsoft.com/office/powerpoint/2010/main" xmlns:com="http://schemas.openxmlformats.org/drawingml/2006/compatibility" xmlns:pvml="urn:schemas-microsoft-com:office:powerpoint" xmlns:v="urn:schemas-microsoft-com:vml" xmlns:o="urn:schemas-microsoft-com:office:office" xmlns:dgm="http://schemas.openxmlformats.org/drawingml/2006/diagram" xmlns:c="http://schemas.openxmlformats.org/drawingml/2006/chart" xmlns:mv="urn:schemas-microsoft-com:mac:vml" xmlns:mc="http://schemas.openxmlformats.org/markup-compatibility/2006" xmlns="" r:id="rId36" roundtripDataSignature="AMtx7mi+UNfaPOwXqL87gnSmWkKKRvwfUQ=="/>
+      <go:slidesCustomData xmlns="" xmlns:mc="http://schemas.openxmlformats.org/markup-compatibility/2006" xmlns:mv="urn:schemas-microsoft-com:mac:vml" xmlns:c="http://schemas.openxmlformats.org/drawingml/2006/chart" xmlns:dgm="http://schemas.openxmlformats.org/drawingml/2006/diagram" xmlns:o="urn:schemas-microsoft-com:office:office" xmlns:v="urn:schemas-microsoft-com:vml" xmlns:pvml="urn:schemas-microsoft-com:office:powerpoint" xmlns:com="http://schemas.openxmlformats.org/drawingml/2006/compatibility" xmlns:p14="http://schemas.microsoft.com/office/powerpoint/2010/main" xmlns:p15="http://schemas.microsoft.com/office/powerpoint/2012/main" xmlns:go="http://customooxmlschemas.google.com/" r:id="rId36" roundtripDataSignature="AMtx7mi+UNfaPOwXqL87gnSmWkKKRvwfUQ=="/>
     </p:ext>
   </p:extLst>
 </p:presentation>
-</file>
-
-<file path=ppt/revisionInfo.xml><?xml version="1.0" encoding="utf-8"?>
-<p1510:revInfo xmlns:a="http://schemas.openxmlformats.org/drawingml/2006/main" xmlns:r="http://schemas.openxmlformats.org/officeDocument/2006/relationships" xmlns:p1510="http://schemas.microsoft.com/office/powerpoint/2015/10/main">
-  <p1510:revLst>
-    <p1510:client id="{04C27BFB-BCC8-4133-B936-069DB3F3069F}" v="824" dt="2020-04-21T19:22:33.124"/>
-  </p1510:revLst>
-</p1510:revInfo>
 </file>
 
 <file path=ppt/changesInfos/changesInfo1.xml><?xml version="1.0" encoding="utf-8"?>
@@ -2025,6 +2017,30 @@
       </pc:sldChg>
     </pc:docChg>
   </pc:docChgLst>
+  <pc:docChgLst>
+    <pc:chgData name="Shangru Yi" userId="dd4246aa92bcc960" providerId="LiveId" clId="{7283812D-2C64-4BB6-AFE4-F537947AD813}"/>
+    <pc:docChg chg="modSld">
+      <pc:chgData name="Shangru Yi" userId="dd4246aa92bcc960" providerId="LiveId" clId="{7283812D-2C64-4BB6-AFE4-F537947AD813}" dt="2021-05-12T05:46:04.846" v="1" actId="20577"/>
+      <pc:docMkLst>
+        <pc:docMk/>
+      </pc:docMkLst>
+      <pc:sldChg chg="modSp mod">
+        <pc:chgData name="Shangru Yi" userId="dd4246aa92bcc960" providerId="LiveId" clId="{7283812D-2C64-4BB6-AFE4-F537947AD813}" dt="2021-05-12T05:46:04.846" v="1" actId="20577"/>
+        <pc:sldMkLst>
+          <pc:docMk/>
+          <pc:sldMk cId="0" sldId="256"/>
+        </pc:sldMkLst>
+        <pc:spChg chg="mod">
+          <ac:chgData name="Shangru Yi" userId="dd4246aa92bcc960" providerId="LiveId" clId="{7283812D-2C64-4BB6-AFE4-F537947AD813}" dt="2021-05-12T05:46:04.846" v="1" actId="20577"/>
+          <ac:spMkLst>
+            <pc:docMk/>
+            <pc:sldMk cId="0" sldId="256"/>
+            <ac:spMk id="104" creationId="{00000000-0000-0000-0000-000000000000}"/>
+          </ac:spMkLst>
+        </pc:spChg>
+      </pc:sldChg>
+    </pc:docChg>
+  </pc:docChgLst>
 </pc:chgInfo>
 </file>
 
@@ -24795,7 +24811,7 @@
               <a:buNone/>
             </a:pPr>
             <a:r>
-              <a:rPr lang="en-US" sz="2400" dirty="0">
+              <a:rPr lang="en-US" sz="2400">
                 <a:latin typeface="Comic Sans MS"/>
                 <a:ea typeface="Comic Sans MS"/>
                 <a:cs typeface="Comic Sans MS"/>
@@ -24804,16 +24820,16 @@
               <a:t>20</a:t>
             </a:r>
             <a:r>
-              <a:rPr lang="en-US" altLang="zh-CN" sz="2400" dirty="0">
+              <a:rPr lang="en-US" altLang="zh-CN" sz="2400">
                 <a:latin typeface="Comic Sans MS"/>
                 <a:ea typeface="Comic Sans MS"/>
                 <a:cs typeface="Comic Sans MS"/>
                 <a:sym typeface="Comic Sans MS"/>
               </a:rPr>
-              <a:t>20</a:t>
+              <a:t>21</a:t>
             </a:r>
             <a:r>
-              <a:rPr lang="en-US" sz="2400" dirty="0">
+              <a:rPr lang="en-US" sz="2400">
                 <a:latin typeface="Comic Sans MS"/>
                 <a:ea typeface="Comic Sans MS"/>
                 <a:cs typeface="Comic Sans MS"/>
@@ -24822,7 +24838,7 @@
               <a:t>.</a:t>
             </a:r>
             <a:r>
-              <a:rPr lang="en-US" altLang="zh-CN" sz="2400" dirty="0">
+              <a:rPr lang="en-US" altLang="zh-CN" sz="2400">
                 <a:latin typeface="Comic Sans MS"/>
                 <a:ea typeface="Comic Sans MS"/>
                 <a:cs typeface="Comic Sans MS"/>
@@ -29391,7 +29407,7 @@
         <p:fade/>
       </p:transition>
     </mc:Choice>
-    <mc:Fallback xmlns:p15="http://schemas.microsoft.com/office/powerpoint/2012/main" xmlns:com="http://schemas.openxmlformats.org/drawingml/2006/compatibility" xmlns:pvml="urn:schemas-microsoft-com:office:powerpoint" xmlns:v="urn:schemas-microsoft-com:vml" xmlns:o="urn:schemas-microsoft-com:office:office" xmlns:dgm="http://schemas.openxmlformats.org/drawingml/2006/diagram" xmlns:c="http://schemas.openxmlformats.org/drawingml/2006/chart" xmlns:mv="urn:schemas-microsoft-com:mac:vml" xmlns="">
+    <mc:Fallback xmlns="" xmlns:mv="urn:schemas-microsoft-com:mac:vml" xmlns:c="http://schemas.openxmlformats.org/drawingml/2006/chart" xmlns:dgm="http://schemas.openxmlformats.org/drawingml/2006/diagram" xmlns:o="urn:schemas-microsoft-com:office:office" xmlns:v="urn:schemas-microsoft-com:vml" xmlns:pvml="urn:schemas-microsoft-com:office:powerpoint" xmlns:com="http://schemas.openxmlformats.org/drawingml/2006/compatibility" xmlns:p15="http://schemas.microsoft.com/office/powerpoint/2012/main">
       <p:transition spd="slow">
         <p:fade/>
       </p:transition>
@@ -30769,7 +30785,7 @@
         <p:fade/>
       </p:transition>
     </mc:Choice>
-    <mc:Fallback xmlns:p15="http://schemas.microsoft.com/office/powerpoint/2012/main" xmlns:com="http://schemas.openxmlformats.org/drawingml/2006/compatibility" xmlns:pvml="urn:schemas-microsoft-com:office:powerpoint" xmlns:v="urn:schemas-microsoft-com:vml" xmlns:o="urn:schemas-microsoft-com:office:office" xmlns:dgm="http://schemas.openxmlformats.org/drawingml/2006/diagram" xmlns:c="http://schemas.openxmlformats.org/drawingml/2006/chart" xmlns:mv="urn:schemas-microsoft-com:mac:vml" xmlns="">
+    <mc:Fallback xmlns="" xmlns:mv="urn:schemas-microsoft-com:mac:vml" xmlns:c="http://schemas.openxmlformats.org/drawingml/2006/chart" xmlns:dgm="http://schemas.openxmlformats.org/drawingml/2006/diagram" xmlns:o="urn:schemas-microsoft-com:office:office" xmlns:v="urn:schemas-microsoft-com:vml" xmlns:pvml="urn:schemas-microsoft-com:office:powerpoint" xmlns:com="http://schemas.openxmlformats.org/drawingml/2006/compatibility" xmlns:p15="http://schemas.microsoft.com/office/powerpoint/2012/main">
       <p:transition spd="slow">
         <p:fade/>
       </p:transition>
@@ -32069,7 +32085,7 @@
         <p:fade/>
       </p:transition>
     </mc:Choice>
-    <mc:Fallback xmlns:p15="http://schemas.microsoft.com/office/powerpoint/2012/main" xmlns:com="http://schemas.openxmlformats.org/drawingml/2006/compatibility" xmlns:pvml="urn:schemas-microsoft-com:office:powerpoint" xmlns:v="urn:schemas-microsoft-com:vml" xmlns:o="urn:schemas-microsoft-com:office:office" xmlns:dgm="http://schemas.openxmlformats.org/drawingml/2006/diagram" xmlns:c="http://schemas.openxmlformats.org/drawingml/2006/chart" xmlns:mv="urn:schemas-microsoft-com:mac:vml" xmlns="">
+    <mc:Fallback xmlns="" xmlns:mv="urn:schemas-microsoft-com:mac:vml" xmlns:c="http://schemas.openxmlformats.org/drawingml/2006/chart" xmlns:dgm="http://schemas.openxmlformats.org/drawingml/2006/diagram" xmlns:o="urn:schemas-microsoft-com:office:office" xmlns:v="urn:schemas-microsoft-com:vml" xmlns:pvml="urn:schemas-microsoft-com:office:powerpoint" xmlns:com="http://schemas.openxmlformats.org/drawingml/2006/compatibility" xmlns:p15="http://schemas.microsoft.com/office/powerpoint/2012/main">
       <p:transition spd="slow">
         <p:fade/>
       </p:transition>
